--- a/files/CS373/BetterYou.pptx
+++ b/files/CS373/BetterYou.pptx
@@ -5,7 +5,7 @@
     <p:sldMasterId id="2147483763" r:id="rId1"/>
   </p:sldMasterIdLst>
   <p:notesMasterIdLst>
-    <p:notesMasterId r:id="rId19"/>
+    <p:notesMasterId r:id="rId21"/>
   </p:notesMasterIdLst>
   <p:sldIdLst>
     <p:sldId id="256" r:id="rId2"/>
@@ -25,6 +25,8 @@
     <p:sldId id="1011" r:id="rId16"/>
     <p:sldId id="1012" r:id="rId17"/>
     <p:sldId id="1013" r:id="rId18"/>
+    <p:sldId id="1014" r:id="rId19"/>
+    <p:sldId id="1015" r:id="rId20"/>
   </p:sldIdLst>
   <p:sldSz cx="12192000" cy="6858000"/>
   <p:notesSz cx="6858000" cy="9144000"/>
@@ -123,6 +125,11 @@
       </a:defRPr>
     </a:lvl9pPr>
   </p:defaultTextStyle>
+  <p:extLst>
+    <p:ext uri="{EFAFB233-063F-42B5-8137-9DF3F51BA10A}">
+      <p15:sldGuideLst xmlns:p15="http://schemas.microsoft.com/office/powerpoint/2012/main"/>
+    </p:ext>
+  </p:extLst>
 </p:presentation>
 </file>
 
@@ -208,7 +215,7 @@
           <a:p>
             <a:fld id="{31070EEA-7DD4-E54D-A488-8D857649E2BB}" type="datetimeFigureOut">
               <a:rPr lang="en-US" smtClean="0"/>
-              <a:t>9/13/19</a:t>
+              <a:t>9/2/20</a:t>
             </a:fld>
             <a:endParaRPr lang="en-US"/>
           </a:p>
@@ -1084,7 +1091,7 @@
           <a:p>
             <a:fld id="{EA0C0817-A112-4847-8014-A94B7D2A4EA3}" type="datetime1">
               <a:rPr lang="en-US" smtClean="0"/>
-              <a:t>9/13/19</a:t>
+              <a:t>9/2/20</a:t>
             </a:fld>
             <a:endParaRPr lang="en-US" dirty="0"/>
           </a:p>
@@ -1286,7 +1293,7 @@
           <a:p>
             <a:fld id="{134F40B7-36AB-4376-BE14-EF7004D79BB9}" type="datetime1">
               <a:rPr lang="en-US" smtClean="0"/>
-              <a:t>9/13/19</a:t>
+              <a:t>9/2/20</a:t>
             </a:fld>
             <a:endParaRPr lang="en-US"/>
           </a:p>
@@ -1466,7 +1473,7 @@
           <a:p>
             <a:fld id="{FF87CAB8-DCAE-46A5-AADA-B3FAD11A54E0}" type="datetime1">
               <a:rPr lang="en-US" smtClean="0"/>
-              <a:t>9/13/19</a:t>
+              <a:t>9/2/20</a:t>
             </a:fld>
             <a:endParaRPr lang="en-US"/>
           </a:p>
@@ -1636,7 +1643,7 @@
           <a:p>
             <a:fld id="{7332B432-ACDA-4023-A761-2BAB76577B62}" type="datetime1">
               <a:rPr lang="en-US" smtClean="0"/>
-              <a:t>9/13/19</a:t>
+              <a:t>9/2/20</a:t>
             </a:fld>
             <a:endParaRPr lang="en-US"/>
           </a:p>
@@ -2235,7 +2242,7 @@
           <a:p>
             <a:fld id="{D9C646AA-F36E-4540-911D-FFFC0A0EF24A}" type="datetime1">
               <a:rPr lang="en-US" smtClean="0"/>
-              <a:t>9/13/19</a:t>
+              <a:t>9/2/20</a:t>
             </a:fld>
             <a:endParaRPr lang="en-US" dirty="0"/>
           </a:p>
@@ -2555,7 +2562,7 @@
           <a:p>
             <a:fld id="{69186D26-FA5F-4637-B602-B7C2DC34CFD4}" type="datetime1">
               <a:rPr lang="en-US" smtClean="0"/>
-              <a:t>9/13/19</a:t>
+              <a:t>9/2/20</a:t>
             </a:fld>
             <a:endParaRPr lang="en-US"/>
           </a:p>
@@ -2990,7 +2997,7 @@
           <a:p>
             <a:fld id="{8A7F15D8-96D1-4781-BC50-CA8A088B2FE4}" type="datetime1">
               <a:rPr lang="en-US" smtClean="0"/>
-              <a:t>9/13/19</a:t>
+              <a:t>9/2/20</a:t>
             </a:fld>
             <a:endParaRPr lang="en-US"/>
           </a:p>
@@ -3108,7 +3115,7 @@
           <a:p>
             <a:fld id="{F9A96C99-B8F8-4528-BD05-0E16E943DC09}" type="datetime1">
               <a:rPr lang="en-US" smtClean="0"/>
-              <a:t>9/13/19</a:t>
+              <a:t>9/2/20</a:t>
             </a:fld>
             <a:endParaRPr lang="en-US"/>
           </a:p>
@@ -3203,7 +3210,7 @@
           <a:p>
             <a:fld id="{03636942-C211-4B28-8DBD-C953E00AF71B}" type="datetime1">
               <a:rPr lang="en-US" smtClean="0"/>
-              <a:t>9/13/19</a:t>
+              <a:t>9/2/20</a:t>
             </a:fld>
             <a:endParaRPr lang="en-US"/>
           </a:p>
@@ -3620,7 +3627,7 @@
           <a:p>
             <a:fld id="{7E8D12A6-918A-48BD-8CB9-CA713993B0EA}" type="datetime1">
               <a:rPr lang="en-US" smtClean="0"/>
-              <a:t>9/13/19</a:t>
+              <a:t>9/2/20</a:t>
             </a:fld>
             <a:endParaRPr lang="en-US"/>
           </a:p>
@@ -3882,7 +3889,7 @@
             <a:fld id="{E778CE86-875F-4587-BCF6-FA054AFC0D53}" type="datetime1">
               <a:rPr lang="en-US" smtClean="0"/>
               <a:pPr/>
-              <a:t>9/13/19</a:t>
+              <a:t>9/2/20</a:t>
             </a:fld>
             <a:endParaRPr lang="en-US" dirty="0"/>
           </a:p>
@@ -4398,7 +4405,7 @@
           <a:p>
             <a:fld id="{F6FA2B21-3FCD-4721-B95C-427943F61125}" type="datetime1">
               <a:rPr lang="en-US" smtClean="0"/>
-              <a:t>9/13/19</a:t>
+              <a:t>9/2/20</a:t>
             </a:fld>
             <a:endParaRPr lang="en-US"/>
           </a:p>
@@ -6467,7 +6474,7 @@
             </a:r>
             <a:r>
               <a:rPr lang="en-US" dirty="0"/>
-              <a:t> – mine ($7/month – private repos)</a:t>
+              <a:t> – mine ($4/month)</a:t>
             </a:r>
           </a:p>
           <a:p>
@@ -6529,7 +6536,7 @@
             <a:pPr lvl="2"/>
             <a:r>
               <a:rPr lang="en-US" dirty="0"/>
-              <a:t>Collegeville: Educational org (free private repos)</a:t>
+              <a:t>Collegeville: Educational org</a:t>
             </a:r>
           </a:p>
           <a:p>
@@ -6603,12 +6610,9 @@
               <a:rPr lang="en-US" dirty="0">
                 <a:hlinkClick r:id="rId10"/>
               </a:rPr>
-              <a:t>https://github.com/Collegeville/CW3S19</a:t>
-            </a:r>
-            <a:r>
-              <a:rPr lang="en-US" dirty="0"/>
-              <a:t> </a:t>
-            </a:r>
+              <a:t>https://github.com/Collegeville/Workshops</a:t>
+            </a:r>
+            <a:endParaRPr lang="en-US" dirty="0"/>
           </a:p>
           <a:p>
             <a:pPr lvl="3"/>
@@ -6620,7 +6624,7 @@
               <a:rPr lang="en-US" dirty="0">
                 <a:hlinkClick r:id="rId11"/>
               </a:rPr>
-              <a:t>https://collegeville.github.io/CW3S19/</a:t>
+              <a:t>https://collegeville.github.io/Workshops/</a:t>
             </a:r>
             <a:r>
               <a:rPr lang="en-US" dirty="0"/>
@@ -6752,6 +6756,311 @@
 </p:sld>
 </file>
 
+<file path=ppt/slides/slide18.xml><?xml version="1.0" encoding="utf-8"?>
+<p:sld xmlns:a="http://schemas.openxmlformats.org/drawingml/2006/main" xmlns:r="http://schemas.openxmlformats.org/officeDocument/2006/relationships" xmlns:p="http://schemas.openxmlformats.org/presentationml/2006/main">
+  <p:cSld>
+    <p:spTree>
+      <p:nvGrpSpPr>
+        <p:cNvPr id="1" name=""/>
+        <p:cNvGrpSpPr/>
+        <p:nvPr/>
+      </p:nvGrpSpPr>
+      <p:grpSpPr>
+        <a:xfrm>
+          <a:off x="0" y="0"/>
+          <a:ext cx="0" cy="0"/>
+          <a:chOff x="0" y="0"/>
+          <a:chExt cx="0" cy="0"/>
+        </a:xfrm>
+      </p:grpSpPr>
+      <p:sp>
+        <p:nvSpPr>
+          <p:cNvPr id="2" name="Title 1">
+            <a:extLst>
+              <a:ext uri="{FF2B5EF4-FFF2-40B4-BE49-F238E27FC236}">
+                <a16:creationId xmlns:a16="http://schemas.microsoft.com/office/drawing/2014/main" id="{DB875E2A-69A4-F44E-895E-22B55699E115}"/>
+              </a:ext>
+            </a:extLst>
+          </p:cNvPr>
+          <p:cNvSpPr>
+            <a:spLocks noGrp="1"/>
+          </p:cNvSpPr>
+          <p:nvPr>
+            <p:ph type="title"/>
+          </p:nvPr>
+        </p:nvSpPr>
+        <p:spPr/>
+        <p:txBody>
+          <a:bodyPr/>
+          <a:lstStyle/>
+          <a:p>
+            <a:r>
+              <a:rPr lang="en-US" dirty="0"/>
+              <a:t>Challenge One</a:t>
+            </a:r>
+          </a:p>
+        </p:txBody>
+      </p:sp>
+      <p:sp>
+        <p:nvSpPr>
+          <p:cNvPr id="3" name="Content Placeholder 2">
+            <a:extLst>
+              <a:ext uri="{FF2B5EF4-FFF2-40B4-BE49-F238E27FC236}">
+                <a16:creationId xmlns:a16="http://schemas.microsoft.com/office/drawing/2014/main" id="{2F915AB3-90DC-DD49-B702-609E1C0BAF40}"/>
+              </a:ext>
+            </a:extLst>
+          </p:cNvPr>
+          <p:cNvSpPr>
+            <a:spLocks noGrp="1"/>
+          </p:cNvSpPr>
+          <p:nvPr>
+            <p:ph idx="1"/>
+          </p:nvPr>
+        </p:nvSpPr>
+        <p:spPr/>
+        <p:txBody>
+          <a:bodyPr>
+            <a:normAutofit lnSpcReduction="10000"/>
+          </a:bodyPr>
+          <a:lstStyle/>
+          <a:p>
+            <a:r>
+              <a:rPr lang="en-US" dirty="0"/>
+              <a:t>Create your own GitHub pages website:</a:t>
+            </a:r>
+          </a:p>
+          <a:p>
+            <a:pPr lvl="1"/>
+            <a:r>
+              <a:rPr lang="en-US" dirty="0"/>
+              <a:t>Start from an existing site you like:</a:t>
+            </a:r>
+          </a:p>
+          <a:p>
+            <a:pPr lvl="2"/>
+            <a:r>
+              <a:rPr lang="en-US" dirty="0"/>
+              <a:t>Fork it</a:t>
+            </a:r>
+          </a:p>
+          <a:p>
+            <a:pPr lvl="2"/>
+            <a:r>
+              <a:rPr lang="en-US" dirty="0"/>
+              <a:t>Rename it to </a:t>
+            </a:r>
+            <a:r>
+              <a:rPr lang="en-US" dirty="0" err="1"/>
+              <a:t>github-id.github.io</a:t>
+            </a:r>
+            <a:r>
+              <a:rPr lang="en-US" dirty="0"/>
+              <a:t> (example </a:t>
+            </a:r>
+            <a:r>
+              <a:rPr lang="en-US" dirty="0" err="1"/>
+              <a:t>maherou.github.io</a:t>
+            </a:r>
+            <a:r>
+              <a:rPr lang="en-US" dirty="0"/>
+              <a:t>)</a:t>
+            </a:r>
+          </a:p>
+          <a:p>
+            <a:pPr lvl="1"/>
+            <a:r>
+              <a:rPr lang="en-US" dirty="0"/>
+              <a:t>Clone it (recommend using GitHub Desktop Client)</a:t>
+            </a:r>
+          </a:p>
+          <a:p>
+            <a:pPr lvl="1"/>
+            <a:r>
+              <a:rPr lang="en-US" dirty="0"/>
+              <a:t>Edit using:</a:t>
+            </a:r>
+          </a:p>
+          <a:p>
+            <a:pPr lvl="2"/>
+            <a:r>
+              <a:rPr lang="en-US" dirty="0"/>
+              <a:t>GitHub web-based editor (for small changes or creating a new file)</a:t>
+            </a:r>
+          </a:p>
+          <a:p>
+            <a:pPr lvl="2"/>
+            <a:r>
+              <a:rPr lang="en-US" dirty="0"/>
+              <a:t>Atom (downloadable and integrated with GitHub Desktop Client)</a:t>
+            </a:r>
+          </a:p>
+          <a:p>
+            <a:pPr lvl="2"/>
+            <a:r>
+              <a:rPr lang="en-US" dirty="0"/>
+              <a:t>VS Code (my new favorite Markdown editor)</a:t>
+            </a:r>
+          </a:p>
+          <a:p>
+            <a:pPr lvl="1"/>
+            <a:r>
+              <a:rPr lang="en-US" dirty="0"/>
+              <a:t>Commit back to main GitHub repo</a:t>
+            </a:r>
+          </a:p>
+          <a:p>
+            <a:pPr lvl="1"/>
+            <a:r>
+              <a:rPr lang="en-US" dirty="0"/>
+              <a:t>Make sure GitHub pages features are enabled for the repo in Settings</a:t>
+            </a:r>
+          </a:p>
+          <a:p>
+            <a:pPr lvl="1"/>
+            <a:r>
+              <a:rPr lang="en-US" dirty="0"/>
+              <a:t>Wait for it to compile (</a:t>
+            </a:r>
+            <a:r>
+              <a:rPr lang="en-US" dirty="0" err="1"/>
+              <a:t>automaticall</a:t>
+            </a:r>
+            <a:r>
+              <a:rPr lang="en-US" dirty="0"/>
+              <a:t> done using Jekyll)</a:t>
+            </a:r>
+          </a:p>
+          <a:p>
+            <a:pPr lvl="1"/>
+            <a:r>
+              <a:rPr lang="en-US" dirty="0"/>
+              <a:t>View the site at https://</a:t>
+            </a:r>
+            <a:r>
+              <a:rPr lang="en-US" dirty="0" err="1"/>
+              <a:t>github-id.github.io</a:t>
+            </a:r>
+            <a:endParaRPr lang="en-US" dirty="0"/>
+          </a:p>
+        </p:txBody>
+      </p:sp>
+    </p:spTree>
+    <p:extLst>
+      <p:ext uri="{BB962C8B-B14F-4D97-AF65-F5344CB8AC3E}">
+        <p14:creationId xmlns:p14="http://schemas.microsoft.com/office/powerpoint/2010/main" val="1036835786"/>
+      </p:ext>
+    </p:extLst>
+  </p:cSld>
+  <p:clrMapOvr>
+    <a:masterClrMapping/>
+  </p:clrMapOvr>
+</p:sld>
+</file>
+
+<file path=ppt/slides/slide19.xml><?xml version="1.0" encoding="utf-8"?>
+<p:sld xmlns:a="http://schemas.openxmlformats.org/drawingml/2006/main" xmlns:r="http://schemas.openxmlformats.org/officeDocument/2006/relationships" xmlns:p="http://schemas.openxmlformats.org/presentationml/2006/main">
+  <p:cSld>
+    <p:spTree>
+      <p:nvGrpSpPr>
+        <p:cNvPr id="1" name=""/>
+        <p:cNvGrpSpPr/>
+        <p:nvPr/>
+      </p:nvGrpSpPr>
+      <p:grpSpPr>
+        <a:xfrm>
+          <a:off x="0" y="0"/>
+          <a:ext cx="0" cy="0"/>
+          <a:chOff x="0" y="0"/>
+          <a:chExt cx="0" cy="0"/>
+        </a:xfrm>
+      </p:grpSpPr>
+      <p:sp>
+        <p:nvSpPr>
+          <p:cNvPr id="2" name="Title 1">
+            <a:extLst>
+              <a:ext uri="{FF2B5EF4-FFF2-40B4-BE49-F238E27FC236}">
+                <a16:creationId xmlns:a16="http://schemas.microsoft.com/office/drawing/2014/main" id="{A2BE2A65-E6AA-B647-AB6B-A0E41ABF3D58}"/>
+              </a:ext>
+            </a:extLst>
+          </p:cNvPr>
+          <p:cNvSpPr>
+            <a:spLocks noGrp="1"/>
+          </p:cNvSpPr>
+          <p:nvPr>
+            <p:ph type="title"/>
+          </p:nvPr>
+        </p:nvSpPr>
+        <p:spPr/>
+        <p:txBody>
+          <a:bodyPr/>
+          <a:lstStyle/>
+          <a:p>
+            <a:r>
+              <a:rPr lang="en-US" dirty="0"/>
+              <a:t>Challenge Two</a:t>
+            </a:r>
+          </a:p>
+        </p:txBody>
+      </p:sp>
+      <p:sp>
+        <p:nvSpPr>
+          <p:cNvPr id="3" name="Content Placeholder 2">
+            <a:extLst>
+              <a:ext uri="{FF2B5EF4-FFF2-40B4-BE49-F238E27FC236}">
+                <a16:creationId xmlns:a16="http://schemas.microsoft.com/office/drawing/2014/main" id="{25AB8054-B6AC-8548-84BD-CBD5A0FAA827}"/>
+              </a:ext>
+            </a:extLst>
+          </p:cNvPr>
+          <p:cNvSpPr>
+            <a:spLocks noGrp="1"/>
+          </p:cNvSpPr>
+          <p:nvPr>
+            <p:ph idx="1"/>
+          </p:nvPr>
+        </p:nvSpPr>
+        <p:spPr/>
+        <p:txBody>
+          <a:bodyPr/>
+          <a:lstStyle/>
+          <a:p>
+            <a:r>
+              <a:rPr lang="en-US" dirty="0"/>
+              <a:t>Create a LinkedIn account</a:t>
+            </a:r>
+          </a:p>
+          <a:p>
+            <a:r>
+              <a:rPr lang="en-US" dirty="0"/>
+              <a:t>Add bio, experience, interests</a:t>
+            </a:r>
+          </a:p>
+          <a:p>
+            <a:r>
+              <a:rPr lang="en-US" dirty="0"/>
+              <a:t>Invite people to connect (you can invite me, I will accept)</a:t>
+            </a:r>
+          </a:p>
+          <a:p>
+            <a:r>
+              <a:rPr lang="en-US" dirty="0"/>
+              <a:t>Consider doing skills tests, getting recommendations, …</a:t>
+            </a:r>
+          </a:p>
+        </p:txBody>
+      </p:sp>
+    </p:spTree>
+    <p:extLst>
+      <p:ext uri="{BB962C8B-B14F-4D97-AF65-F5344CB8AC3E}">
+        <p14:creationId xmlns:p14="http://schemas.microsoft.com/office/powerpoint/2010/main" val="1839718442"/>
+      </p:ext>
+    </p:extLst>
+  </p:cSld>
+  <p:clrMapOvr>
+    <a:masterClrMapping/>
+  </p:clrMapOvr>
+</p:sld>
+</file>
+
 <file path=ppt/slides/slide2.xml><?xml version="1.0" encoding="utf-8"?>
 <p:sld xmlns:a="http://schemas.openxmlformats.org/drawingml/2006/main" xmlns:r="http://schemas.openxmlformats.org/officeDocument/2006/relationships" xmlns:p="http://schemas.openxmlformats.org/presentationml/2006/main">
   <p:cSld>
@@ -7036,7 +7345,7 @@
           <a:p>
             <a:r>
               <a:rPr lang="en-US" b="0" dirty="0"/>
-              <a:t>Leave bread crumbs.</a:t>
+              <a:t>Leave breadcrumbs.</a:t>
             </a:r>
           </a:p>
           <a:p>
@@ -8210,19 +8519,12 @@
               <a:rPr lang="en-US" b="0" dirty="0">
                 <a:hlinkClick r:id="rId2"/>
               </a:rPr>
-              <a:t>https://trello.com</a:t>
-            </a:r>
-            <a:r>
-              <a:rPr lang="en-US" b="0">
-                <a:hlinkClick r:id="rId2"/>
-              </a:rPr>
-              <a:t>/b/04MQXyLo/personal-work-tasks</a:t>
-            </a:r>
-            <a:r>
-              <a:rPr lang="en-US" b="0"/>
+              <a:t>https://trello.com/b/04MQXyLo/personal-work-tasks</a:t>
+            </a:r>
+            <a:r>
+              <a:rPr lang="en-US" b="0" dirty="0"/>
               <a:t> </a:t>
             </a:r>
-            <a:endParaRPr lang="en-US" b="0" dirty="0"/>
           </a:p>
         </p:txBody>
       </p:sp>
@@ -8301,7 +8603,7 @@
           <a:p>
             <a:r>
               <a:rPr lang="en-US" b="0" dirty="0"/>
-              <a:t>Approach: Start with 2 or 3.  See how it goes.</a:t>
+              <a:t>Approach: Start with a realistic list of what you are working on right now.  See how it goes.</a:t>
             </a:r>
           </a:p>
           <a:p>
@@ -8452,7 +8754,7 @@
           <a:p>
             <a:r>
               <a:rPr lang="en-US" b="0" dirty="0"/>
-              <a:t>Leave bread crumbs.</a:t>
+              <a:t>Leave breadcrumbs.</a:t>
             </a:r>
           </a:p>
           <a:p>
